--- a/5.Crypto/Cryptology8-Signature-MAC-Hash.pptx
+++ b/5.Crypto/Cryptology8-Signature-MAC-Hash.pptx
@@ -219,7 +219,7 @@
           <a:p>
             <a:fld id="{0FBB2B09-09A1-420A-863F-C88E8594038B}" type="datetimeFigureOut">
               <a:rPr lang="en-US" smtClean="0"/>
-              <a:t>4/4/2019</a:t>
+              <a:t>11/26/2020</a:t>
             </a:fld>
             <a:endParaRPr lang="en-US"/>
           </a:p>
@@ -2084,7 +2084,10 @@
           <a:bodyPr/>
           <a:lstStyle/>
           <a:p>
-            <a:endParaRPr lang="en-US"/>
+            <a:r>
+              <a:rPr lang="en-US" dirty="0"/>
+              <a:t>Obviously, if you always use 4 for your random number it is no longer random.  I prefer 42 myself.</a:t>
+            </a:r>
           </a:p>
         </p:txBody>
       </p:sp>
@@ -2401,7 +2404,7 @@
           <a:p>
             <a:r>
               <a:rPr lang="en-US" dirty="0"/>
-              <a:t>Bob encrypts the plaintext with his private key, and gives the result (signature) to Alice.</a:t>
+              <a:t>Bob encrypts the plaintext with his private key and gives the result (signature) to Alice.</a:t>
             </a:r>
           </a:p>
           <a:p>
@@ -2689,7 +2692,7 @@
           <a:p>
             <a:r>
               <a:rPr lang="en-US" dirty="0"/>
-              <a:t>Here is another block diagram with lots of boxes.  Remember, there is a lot that you know ahead of time.  The only variables are the message M and the salt</a:t>
+              <a:t>Here is another block diagram with lots of boxes for those who like puzzles.  Remember, there is a lot that you know ahead of time.  The only variables are the message M and the salt</a:t>
             </a:r>
           </a:p>
           <a:p>
@@ -2853,7 +2856,7 @@
             </a:pPr>
             <a:r>
               <a:rPr lang="en-US" dirty="0"/>
-              <a:t>The result gives you Padding2||salt</a:t>
+              <a:t>The result gives you Padding2|salt</a:t>
             </a:r>
           </a:p>
           <a:p>
@@ -3390,7 +3393,7 @@
           <a:p>
             <a:fld id="{1451AC46-F7BF-44D3-9ECB-7DDAC9A69083}" type="datetimeFigureOut">
               <a:rPr lang="en-US" smtClean="0"/>
-              <a:t>4/4/2019</a:t>
+              <a:t>11/26/2020</a:t>
             </a:fld>
             <a:endParaRPr lang="en-US"/>
           </a:p>
@@ -3588,7 +3591,7 @@
           <a:p>
             <a:fld id="{1451AC46-F7BF-44D3-9ECB-7DDAC9A69083}" type="datetimeFigureOut">
               <a:rPr lang="en-US" smtClean="0"/>
-              <a:t>4/4/2019</a:t>
+              <a:t>11/26/2020</a:t>
             </a:fld>
             <a:endParaRPr lang="en-US"/>
           </a:p>
@@ -3796,7 +3799,7 @@
           <a:p>
             <a:fld id="{1451AC46-F7BF-44D3-9ECB-7DDAC9A69083}" type="datetimeFigureOut">
               <a:rPr lang="en-US" smtClean="0"/>
-              <a:t>4/4/2019</a:t>
+              <a:t>11/26/2020</a:t>
             </a:fld>
             <a:endParaRPr lang="en-US"/>
           </a:p>
@@ -3994,7 +3997,7 @@
           <a:p>
             <a:fld id="{1451AC46-F7BF-44D3-9ECB-7DDAC9A69083}" type="datetimeFigureOut">
               <a:rPr lang="en-US" smtClean="0"/>
-              <a:t>4/4/2019</a:t>
+              <a:t>11/26/2020</a:t>
             </a:fld>
             <a:endParaRPr lang="en-US"/>
           </a:p>
@@ -4269,7 +4272,7 @@
           <a:p>
             <a:fld id="{1451AC46-F7BF-44D3-9ECB-7DDAC9A69083}" type="datetimeFigureOut">
               <a:rPr lang="en-US" smtClean="0"/>
-              <a:t>4/4/2019</a:t>
+              <a:t>11/26/2020</a:t>
             </a:fld>
             <a:endParaRPr lang="en-US"/>
           </a:p>
@@ -4534,7 +4537,7 @@
           <a:p>
             <a:fld id="{1451AC46-F7BF-44D3-9ECB-7DDAC9A69083}" type="datetimeFigureOut">
               <a:rPr lang="en-US" smtClean="0"/>
-              <a:t>4/4/2019</a:t>
+              <a:t>11/26/2020</a:t>
             </a:fld>
             <a:endParaRPr lang="en-US"/>
           </a:p>
@@ -4946,7 +4949,7 @@
           <a:p>
             <a:fld id="{1451AC46-F7BF-44D3-9ECB-7DDAC9A69083}" type="datetimeFigureOut">
               <a:rPr lang="en-US" smtClean="0"/>
-              <a:t>4/4/2019</a:t>
+              <a:t>11/26/2020</a:t>
             </a:fld>
             <a:endParaRPr lang="en-US"/>
           </a:p>
@@ -5087,7 +5090,7 @@
           <a:p>
             <a:fld id="{1451AC46-F7BF-44D3-9ECB-7DDAC9A69083}" type="datetimeFigureOut">
               <a:rPr lang="en-US" smtClean="0"/>
-              <a:t>4/4/2019</a:t>
+              <a:t>11/26/2020</a:t>
             </a:fld>
             <a:endParaRPr lang="en-US"/>
           </a:p>
@@ -5200,7 +5203,7 @@
           <a:p>
             <a:fld id="{1451AC46-F7BF-44D3-9ECB-7DDAC9A69083}" type="datetimeFigureOut">
               <a:rPr lang="en-US" smtClean="0"/>
-              <a:t>4/4/2019</a:t>
+              <a:t>11/26/2020</a:t>
             </a:fld>
             <a:endParaRPr lang="en-US"/>
           </a:p>
@@ -5511,7 +5514,7 @@
           <a:p>
             <a:fld id="{1451AC46-F7BF-44D3-9ECB-7DDAC9A69083}" type="datetimeFigureOut">
               <a:rPr lang="en-US" smtClean="0"/>
-              <a:t>4/4/2019</a:t>
+              <a:t>11/26/2020</a:t>
             </a:fld>
             <a:endParaRPr lang="en-US"/>
           </a:p>
@@ -5799,7 +5802,7 @@
           <a:p>
             <a:fld id="{1451AC46-F7BF-44D3-9ECB-7DDAC9A69083}" type="datetimeFigureOut">
               <a:rPr lang="en-US" smtClean="0"/>
-              <a:t>4/4/2019</a:t>
+              <a:t>11/26/2020</a:t>
             </a:fld>
             <a:endParaRPr lang="en-US"/>
           </a:p>
@@ -6040,7 +6043,7 @@
           <a:p>
             <a:fld id="{1451AC46-F7BF-44D3-9ECB-7DDAC9A69083}" type="datetimeFigureOut">
               <a:rPr lang="en-US" smtClean="0"/>
-              <a:t>4/4/2019</a:t>
+              <a:t>11/26/2020</a:t>
             </a:fld>
             <a:endParaRPr lang="en-US"/>
           </a:p>
